--- a/slides/INTOCPS-SysML.pptx
+++ b/slides/INTOCPS-SysML.pptx
@@ -5,10 +5,10 @@
     <p:sldMasterId id="2147483672" r:id="rId1"/>
   </p:sldMasterIdLst>
   <p:notesMasterIdLst>
-    <p:notesMasterId r:id="rId41"/>
+    <p:notesMasterId r:id="rId40"/>
   </p:notesMasterIdLst>
   <p:handoutMasterIdLst>
-    <p:handoutMasterId r:id="rId42"/>
+    <p:handoutMasterId r:id="rId41"/>
   </p:handoutMasterIdLst>
   <p:sldIdLst>
     <p:sldId id="374" r:id="rId2"/>
@@ -49,7 +49,6 @@
     <p:sldId id="531" r:id="rId37"/>
     <p:sldId id="536" r:id="rId38"/>
     <p:sldId id="527" r:id="rId39"/>
-    <p:sldId id="449" r:id="rId40"/>
   </p:sldIdLst>
   <p:sldSz cx="9144000" cy="6858000" type="screen4x3"/>
   <p:notesSz cx="6797675" cy="9874250"/>
@@ -191,7 +190,6 @@
             <p14:sldId id="531"/>
             <p14:sldId id="536"/>
             <p14:sldId id="527"/>
-            <p14:sldId id="449"/>
           </p14:sldIdLst>
         </p14:section>
       </p14:sectionLst>
@@ -4751,15 +4749,20 @@
           <a:lstStyle/>
           <a:p>
             <a:r>
+              <a:rPr lang="en-GB"/>
+              <a:t>INTO-CPS</a:t>
+            </a:r>
+            <a:r>
               <a:rPr lang="en-GB" dirty="0"/>
-              <a:t>INTO-CPS Summer School</a:t>
-            </a:r>
-            <a:br>
+              <a:t> </a:t>
+            </a:r>
+            <a:r>
+              <a:rPr lang="en-GB"/>
+              <a:t>SysML</a:t>
+            </a:r>
+            <a:r>
               <a:rPr lang="en-GB" dirty="0"/>
-            </a:br>
-            <a:r>
-              <a:rPr lang="en-GB" dirty="0"/>
-              <a:t>SysML Modelling</a:t>
+              <a:t> Modelling</a:t>
             </a:r>
           </a:p>
         </p:txBody>
@@ -8168,12 +8171,8 @@
           </a:p>
           <a:p>
             <a:r>
-              <a:rPr lang="en-GB"/>
-              <a:t>INTO-CPS</a:t>
-            </a:r>
-            <a:r>
               <a:rPr lang="en-GB" dirty="0"/>
-              <a:t>/</a:t>
+              <a:t>INTO-CPS/</a:t>
             </a:r>
             <a:r>
               <a:rPr lang="en-GB" dirty="0" err="1"/>
@@ -11713,169 +11712,6 @@
     <p:extLst>
       <p:ext uri="{BB962C8B-B14F-4D97-AF65-F5344CB8AC3E}">
         <p14:creationId xmlns:p14="http://schemas.microsoft.com/office/powerpoint/2010/main" val="3042672816"/>
-      </p:ext>
-    </p:extLst>
-  </p:cSld>
-  <p:clrMapOvr>
-    <a:masterClrMapping/>
-  </p:clrMapOvr>
-  <mc:AlternateContent xmlns:mc="http://schemas.openxmlformats.org/markup-compatibility/2006" xmlns:p14="http://schemas.microsoft.com/office/powerpoint/2010/main">
-    <mc:Choice Requires="p14">
-      <p:transition p14:dur="0" advTm="7000"/>
-    </mc:Choice>
-    <mc:Fallback xmlns="">
-      <p:transition advTm="7000"/>
-    </mc:Fallback>
-  </mc:AlternateContent>
-</p:sld>
-</file>
-
-<file path=ppt/slides/slide39.xml><?xml version="1.0" encoding="utf-8"?>
-<p:sld xmlns:a="http://schemas.openxmlformats.org/drawingml/2006/main" xmlns:r="http://schemas.openxmlformats.org/officeDocument/2006/relationships" xmlns:p="http://schemas.openxmlformats.org/presentationml/2006/main">
-  <p:cSld>
-    <p:spTree>
-      <p:nvGrpSpPr>
-        <p:cNvPr id="1" name=""/>
-        <p:cNvGrpSpPr/>
-        <p:nvPr/>
-      </p:nvGrpSpPr>
-      <p:grpSpPr>
-        <a:xfrm>
-          <a:off x="0" y="0"/>
-          <a:ext cx="0" cy="0"/>
-          <a:chOff x="0" y="0"/>
-          <a:chExt cx="0" cy="0"/>
-        </a:xfrm>
-      </p:grpSpPr>
-      <p:sp>
-        <p:nvSpPr>
-          <p:cNvPr id="5" name="Title 4"/>
-          <p:cNvSpPr>
-            <a:spLocks noGrp="1"/>
-          </p:cNvSpPr>
-          <p:nvPr>
-            <p:ph type="ctrTitle"/>
-          </p:nvPr>
-        </p:nvSpPr>
-        <p:spPr/>
-        <p:txBody>
-          <a:bodyPr>
-            <a:normAutofit/>
-          </a:bodyPr>
-          <a:lstStyle/>
-          <a:p>
-            <a:r>
-              <a:rPr lang="en-GB" dirty="0"/>
-              <a:t>INTO-CPS Summer School</a:t>
-            </a:r>
-            <a:br>
-              <a:rPr lang="en-GB" dirty="0"/>
-            </a:br>
-            <a:r>
-              <a:rPr lang="en-GB" dirty="0"/>
-              <a:t>SysML Modelling</a:t>
-            </a:r>
-          </a:p>
-        </p:txBody>
-      </p:sp>
-      <p:sp>
-        <p:nvSpPr>
-          <p:cNvPr id="6" name="Subtitle 5"/>
-          <p:cNvSpPr>
-            <a:spLocks noGrp="1"/>
-          </p:cNvSpPr>
-          <p:nvPr>
-            <p:ph type="subTitle" idx="1"/>
-          </p:nvPr>
-        </p:nvSpPr>
-        <p:spPr/>
-        <p:txBody>
-          <a:bodyPr>
-            <a:normAutofit lnSpcReduction="10000"/>
-          </a:bodyPr>
-          <a:lstStyle/>
-          <a:p>
-            <a:r>
-              <a:rPr lang="en-GB" dirty="0"/>
-              <a:t>Etienne </a:t>
-            </a:r>
-            <a:r>
-              <a:rPr lang="en-GB" dirty="0" err="1"/>
-              <a:t>Brosse</a:t>
-            </a:r>
-            <a:r>
-              <a:rPr lang="en-GB" dirty="0"/>
-              <a:t>, Softeam, FR</a:t>
-            </a:r>
-          </a:p>
-          <a:p>
-            <a:r>
-              <a:rPr lang="en-GB" dirty="0"/>
-              <a:t>etienne.brosse@softeam.fr</a:t>
-            </a:r>
-          </a:p>
-        </p:txBody>
-      </p:sp>
-      <p:sp>
-        <p:nvSpPr>
-          <p:cNvPr id="7" name="Text Placeholder 6"/>
-          <p:cNvSpPr>
-            <a:spLocks noGrp="1"/>
-          </p:cNvSpPr>
-          <p:nvPr>
-            <p:ph type="body" sz="quarter" idx="10"/>
-          </p:nvPr>
-        </p:nvSpPr>
-        <p:spPr/>
-        <p:txBody>
-          <a:bodyPr/>
-          <a:lstStyle/>
-          <a:p>
-            <a:r>
-              <a:rPr lang="en-GB" dirty="0"/>
-              <a:t>05/07/2017</a:t>
-            </a:r>
-          </a:p>
-        </p:txBody>
-      </p:sp>
-      <p:sp>
-        <p:nvSpPr>
-          <p:cNvPr id="3" name="Slide Number Placeholder 2"/>
-          <p:cNvSpPr>
-            <a:spLocks noGrp="1"/>
-          </p:cNvSpPr>
-          <p:nvPr>
-            <p:ph type="sldNum" sz="quarter" idx="4294967295"/>
-          </p:nvPr>
-        </p:nvSpPr>
-        <p:spPr>
-          <a:xfrm>
-            <a:off x="7704138" y="6453188"/>
-            <a:ext cx="1439862" cy="220662"/>
-          </a:xfrm>
-        </p:spPr>
-        <p:txBody>
-          <a:bodyPr/>
-          <a:lstStyle/>
-          <a:p>
-            <a:pPr>
-              <a:defRPr/>
-            </a:pPr>
-            <a:fld id="{51E62FFA-9C85-4587-AC02-EF116B0D5459}" type="slidenum">
-              <a:rPr lang="da-DK" smtClean="0"/>
-              <a:pPr>
-                <a:defRPr/>
-              </a:pPr>
-              <a:t>39</a:t>
-            </a:fld>
-            <a:endParaRPr lang="da-DK"/>
-          </a:p>
-        </p:txBody>
-      </p:sp>
-    </p:spTree>
-    <p:extLst>
-      <p:ext uri="{BB962C8B-B14F-4D97-AF65-F5344CB8AC3E}">
-        <p14:creationId xmlns:p14="http://schemas.microsoft.com/office/powerpoint/2010/main" val="1312992987"/>
       </p:ext>
     </p:extLst>
   </p:cSld>

--- a/slides/INTOCPS-SysML.pptx
+++ b/slides/INTOCPS-SysML.pptx
@@ -3740,6 +3740,51 @@
           <a:noFill/>
         </p:spPr>
       </p:pic>
+      <p:sp>
+        <p:nvSpPr>
+          <p:cNvPr id="10" name="TextBox 9">
+            <a:extLst>
+              <a:ext uri="{FF2B5EF4-FFF2-40B4-BE49-F238E27FC236}">
+                <a16:creationId xmlns:a16="http://schemas.microsoft.com/office/drawing/2014/main" id="{F115C425-0D2D-2C45-8CCB-2787FD825462}"/>
+              </a:ext>
+            </a:extLst>
+          </p:cNvPr>
+          <p:cNvSpPr txBox="1"/>
+          <p:nvPr userDrawn="1"/>
+        </p:nvSpPr>
+        <p:spPr>
+          <a:xfrm>
+            <a:off x="6804248" y="6372036"/>
+            <a:ext cx="1872208" cy="369332"/>
+          </a:xfrm>
+          <a:prstGeom prst="rect">
+            <a:avLst/>
+          </a:prstGeom>
+          <a:noFill/>
+        </p:spPr>
+        <p:txBody>
+          <a:bodyPr wrap="square" rtlCol="0">
+            <a:spAutoFit/>
+          </a:bodyPr>
+          <a:lstStyle/>
+          <a:p>
+            <a:pPr algn="r"/>
+            <a:r>
+              <a:rPr lang="en-US" dirty="0" err="1">
+                <a:solidFill>
+                  <a:srgbClr val="6E6F73"/>
+                </a:solidFill>
+              </a:rPr>
+              <a:t>www.into-cps.org</a:t>
+            </a:r>
+            <a:endParaRPr lang="en-US" dirty="0">
+              <a:solidFill>
+                <a:srgbClr val="6E6F73"/>
+              </a:solidFill>
+            </a:endParaRPr>
+          </a:p>
+        </p:txBody>
+      </p:sp>
     </p:spTree>
     <p:extLst>
       <p:ext uri="{BB962C8B-B14F-4D97-AF65-F5344CB8AC3E}">
@@ -4733,54 +4778,18 @@
       </p:grpSpPr>
       <p:sp>
         <p:nvSpPr>
-          <p:cNvPr id="5" name="Title 4"/>
-          <p:cNvSpPr>
-            <a:spLocks noGrp="1"/>
-          </p:cNvSpPr>
-          <p:nvPr>
-            <p:ph type="ctrTitle"/>
-          </p:nvPr>
-        </p:nvSpPr>
-        <p:spPr/>
-        <p:txBody>
-          <a:bodyPr>
-            <a:normAutofit/>
-          </a:bodyPr>
-          <a:lstStyle/>
-          <a:p>
-            <a:r>
-              <a:rPr lang="en-GB"/>
-              <a:t>INTO-CPS</a:t>
-            </a:r>
-            <a:r>
-              <a:rPr lang="en-GB" dirty="0"/>
-              <a:t> </a:t>
-            </a:r>
-            <a:r>
-              <a:rPr lang="en-GB"/>
-              <a:t>SysML</a:t>
-            </a:r>
-            <a:r>
-              <a:rPr lang="en-GB" dirty="0"/>
-              <a:t> Modelling</a:t>
-            </a:r>
-          </a:p>
-        </p:txBody>
-      </p:sp>
-      <p:sp>
-        <p:nvSpPr>
           <p:cNvPr id="6" name="Subtitle 5"/>
           <p:cNvSpPr>
             <a:spLocks noGrp="1"/>
           </p:cNvSpPr>
           <p:nvPr>
-            <p:ph type="subTitle" idx="1"/>
+            <p:ph idx="1"/>
           </p:nvPr>
         </p:nvSpPr>
         <p:spPr>
           <a:xfrm>
-            <a:off x="683568" y="1719509"/>
-            <a:ext cx="7776864" cy="1709491"/>
+            <a:off x="107504" y="1511930"/>
+            <a:ext cx="8928992" cy="1557030"/>
           </a:xfrm>
         </p:spPr>
         <p:txBody>
@@ -4789,22 +4798,44 @@
           </a:bodyPr>
           <a:lstStyle/>
           <a:p>
-            <a:r>
-              <a:rPr lang="en-GB" dirty="0"/>
+            <a:pPr marL="0" indent="0" algn="ctr">
+              <a:buNone/>
+            </a:pPr>
+            <a:r>
+              <a:rPr lang="en-GB" dirty="0">
+                <a:solidFill>
+                  <a:schemeClr val="accent1"/>
+                </a:solidFill>
+              </a:rPr>
               <a:t>Etienne </a:t>
             </a:r>
             <a:r>
-              <a:rPr lang="en-GB" dirty="0" err="1"/>
+              <a:rPr lang="en-GB" dirty="0" err="1">
+                <a:solidFill>
+                  <a:schemeClr val="accent1"/>
+                </a:solidFill>
+              </a:rPr>
               <a:t>Brosse</a:t>
             </a:r>
             <a:r>
-              <a:rPr lang="en-GB" dirty="0"/>
+              <a:rPr lang="en-GB" dirty="0">
+                <a:solidFill>
+                  <a:schemeClr val="accent1"/>
+                </a:solidFill>
+              </a:rPr>
               <a:t>, Softeam, France</a:t>
             </a:r>
           </a:p>
           <a:p>
-            <a:r>
-              <a:rPr lang="en-GB" dirty="0"/>
+            <a:pPr marL="0" indent="0" algn="ctr">
+              <a:buNone/>
+            </a:pPr>
+            <a:r>
+              <a:rPr lang="en-GB" dirty="0">
+                <a:solidFill>
+                  <a:schemeClr val="accent1"/>
+                </a:solidFill>
+              </a:rPr>
               <a:t>Peter Gorm Larsen, Aarhus University</a:t>
             </a:r>
           </a:p>
@@ -4817,15 +4848,10 @@
             <a:spLocks noGrp="1"/>
           </p:cNvSpPr>
           <p:nvPr>
-            <p:ph type="sldNum" sz="quarter" idx="4294967295"/>
+            <p:ph type="sldNum" sz="quarter" idx="10"/>
           </p:nvPr>
         </p:nvSpPr>
-        <p:spPr>
-          <a:xfrm>
-            <a:off x="7704138" y="6453188"/>
-            <a:ext cx="1439862" cy="220662"/>
-          </a:xfrm>
-        </p:spPr>
+        <p:spPr/>
         <p:txBody>
           <a:bodyPr/>
           <a:lstStyle/>
@@ -4844,6 +4870,114 @@
           </a:p>
         </p:txBody>
       </p:sp>
+      <p:sp>
+        <p:nvSpPr>
+          <p:cNvPr id="5" name="Title 4"/>
+          <p:cNvSpPr>
+            <a:spLocks noGrp="1"/>
+          </p:cNvSpPr>
+          <p:nvPr>
+            <p:ph type="title"/>
+          </p:nvPr>
+        </p:nvSpPr>
+        <p:spPr/>
+        <p:txBody>
+          <a:bodyPr>
+            <a:normAutofit/>
+          </a:bodyPr>
+          <a:lstStyle/>
+          <a:p>
+            <a:r>
+              <a:rPr lang="en-GB"/>
+              <a:t>INTO-CPS</a:t>
+            </a:r>
+            <a:r>
+              <a:rPr lang="en-GB" dirty="0"/>
+              <a:t> </a:t>
+            </a:r>
+            <a:r>
+              <a:rPr lang="en-GB"/>
+              <a:t>SysML</a:t>
+            </a:r>
+            <a:r>
+              <a:rPr lang="en-GB" dirty="0"/>
+              <a:t> Modelling</a:t>
+            </a:r>
+          </a:p>
+        </p:txBody>
+      </p:sp>
+      <p:pic>
+        <p:nvPicPr>
+          <p:cNvPr id="7" name="Picture 6">
+            <a:extLst>
+              <a:ext uri="{FF2B5EF4-FFF2-40B4-BE49-F238E27FC236}">
+                <a16:creationId xmlns:a16="http://schemas.microsoft.com/office/drawing/2014/main" id="{78F81FF3-5114-4542-8282-F7C152564217}"/>
+              </a:ext>
+            </a:extLst>
+          </p:cNvPr>
+          <p:cNvPicPr>
+            <a:picLocks noChangeAspect="1"/>
+          </p:cNvPicPr>
+          <p:nvPr/>
+        </p:nvPicPr>
+        <p:blipFill>
+          <a:blip r:embed="rId2" cstate="print">
+            <a:extLst>
+              <a:ext uri="{28A0092B-C50C-407E-A947-70E740481C1C}">
+                <a14:useLocalDpi xmlns:a14="http://schemas.microsoft.com/office/drawing/2010/main" val="0"/>
+              </a:ext>
+            </a:extLst>
+          </a:blip>
+          <a:stretch>
+            <a:fillRect/>
+          </a:stretch>
+        </p:blipFill>
+        <p:spPr>
+          <a:xfrm>
+            <a:off x="1403648" y="6098694"/>
+            <a:ext cx="2728797" cy="573047"/>
+          </a:xfrm>
+          <a:prstGeom prst="rect">
+            <a:avLst/>
+          </a:prstGeom>
+        </p:spPr>
+      </p:pic>
+      <p:pic>
+        <p:nvPicPr>
+          <p:cNvPr id="8" name="Picture 7">
+            <a:extLst>
+              <a:ext uri="{FF2B5EF4-FFF2-40B4-BE49-F238E27FC236}">
+                <a16:creationId xmlns:a16="http://schemas.microsoft.com/office/drawing/2014/main" id="{9759A559-4B1C-2B45-B34D-B9279DCA7924}"/>
+              </a:ext>
+            </a:extLst>
+          </p:cNvPr>
+          <p:cNvPicPr>
+            <a:picLocks noChangeAspect="1"/>
+          </p:cNvPicPr>
+          <p:nvPr/>
+        </p:nvPicPr>
+        <p:blipFill>
+          <a:blip r:embed="rId3" cstate="print">
+            <a:extLst>
+              <a:ext uri="{28A0092B-C50C-407E-A947-70E740481C1C}">
+                <a14:useLocalDpi xmlns:a14="http://schemas.microsoft.com/office/drawing/2010/main" val="0"/>
+              </a:ext>
+            </a:extLst>
+          </a:blip>
+          <a:stretch>
+            <a:fillRect/>
+          </a:stretch>
+        </p:blipFill>
+        <p:spPr>
+          <a:xfrm>
+            <a:off x="4355976" y="6006548"/>
+            <a:ext cx="2255559" cy="792284"/>
+          </a:xfrm>
+          <a:prstGeom prst="rect">
+            <a:avLst/>
+          </a:prstGeom>
+        </p:spPr>
+      </p:pic>
     </p:spTree>
     <p:extLst>
       <p:ext uri="{BB962C8B-B14F-4D97-AF65-F5344CB8AC3E}">
